--- a/presentation/OOP.pptx
+++ b/presentation/OOP.pptx
@@ -208,7 +208,7 @@
           <a:p>
             <a:fld id="{7AA845AD-EDAE-48CC-B206-25722AF17BA1}" type="datetimeFigureOut">
               <a:rPr lang="en-US" smtClean="0"/>
-              <a:t>7/2/22</a:t>
+              <a:t>7/14/22</a:t>
             </a:fld>
             <a:endParaRPr lang="en-US"/>
           </a:p>
@@ -3579,7 +3579,7 @@
         </p:blipFill>
         <p:spPr>
           <a:xfrm>
-            <a:off x="556505" y="2004159"/>
+            <a:off x="556504" y="1849730"/>
             <a:ext cx="4596065" cy="2074534"/>
           </a:xfrm>
           <a:prstGeom prst="rect">
@@ -3609,7 +3609,7 @@
         </p:blipFill>
         <p:spPr>
           <a:xfrm>
-            <a:off x="5883176" y="2134136"/>
+            <a:off x="5898709" y="1959228"/>
             <a:ext cx="5239481" cy="2067213"/>
           </a:xfrm>
           <a:prstGeom prst="rect">
@@ -3792,18 +3792,6 @@
       </p:sp>
       <p:sp>
         <p:nvSpPr>
-          <p:cNvPr id="3" name="Picture Placeholder 2"/>
-          <p:cNvSpPr>
-            <a:spLocks noGrp="1"/>
-          </p:cNvSpPr>
-          <p:nvPr>
-            <p:ph type="pic" sz="quarter" idx="11"/>
-          </p:nvPr>
-        </p:nvSpPr>
-        <p:spPr/>
-      </p:sp>
-      <p:sp>
-        <p:nvSpPr>
           <p:cNvPr id="2" name="Hộp Văn bản 1">
             <a:extLst>
               <a:ext uri="{FF2B5EF4-FFF2-40B4-BE49-F238E27FC236}">
@@ -3816,8 +3804,8 @@
         </p:nvSpPr>
         <p:spPr>
           <a:xfrm>
-            <a:off x="126609" y="704611"/>
-            <a:ext cx="11726655" cy="6034472"/>
+            <a:off x="265689" y="679269"/>
+            <a:ext cx="11168408" cy="5615768"/>
           </a:xfrm>
           <a:prstGeom prst="rect">
             <a:avLst/>
@@ -3850,9 +3838,6 @@
           </a:p>
           <a:p>
             <a:pPr marL="0" marR="0" algn="just">
-              <a:lnSpc>
-                <a:spcPct val="107000"/>
-              </a:lnSpc>
               <a:spcBef>
                 <a:spcPts val="0"/>
               </a:spcBef>
@@ -3861,7 +3846,7 @@
               </a:spcAft>
             </a:pPr>
             <a:r>
-              <a:rPr lang="en-US" sz="1800" dirty="0">
+              <a:rPr lang="en-US" sz="1500" dirty="0">
                 <a:effectLst/>
                 <a:latin typeface="Times New Roman" panose="02020603050405020304" pitchFamily="18" charset="0"/>
                 <a:ea typeface="Calibri" panose="020F0502020204030204" pitchFamily="34" charset="0"/>
@@ -3869,7 +3854,7 @@
               </a:rPr>
               <a:t>Nguyen Truong Giang:</a:t>
             </a:r>
-            <a:endParaRPr lang="en-US" sz="1800" dirty="0">
+            <a:endParaRPr lang="en-US" sz="1500" dirty="0">
               <a:effectLst/>
               <a:latin typeface="Calibri" panose="020F0502020204030204" pitchFamily="34" charset="0"/>
               <a:ea typeface="Calibri" panose="020F0502020204030204" pitchFamily="34" charset="0"/>
@@ -3878,9 +3863,6 @@
           </a:p>
           <a:p>
             <a:pPr marL="342900" marR="0" lvl="0" indent="-342900" algn="just">
-              <a:lnSpc>
-                <a:spcPct val="107000"/>
-              </a:lnSpc>
               <a:spcBef>
                 <a:spcPts val="0"/>
               </a:spcBef>
@@ -3891,7 +3873,7 @@
               <a:buChar char="-"/>
             </a:pPr>
             <a:r>
-              <a:rPr lang="en-US" sz="1800" dirty="0">
+              <a:rPr lang="en-US" sz="1500" dirty="0">
                 <a:effectLst/>
                 <a:latin typeface="Times New Roman" panose="02020603050405020304" pitchFamily="18" charset="0"/>
                 <a:ea typeface="Calibri" panose="020F0502020204030204" pitchFamily="34" charset="0"/>
@@ -3899,7 +3881,7 @@
               </a:rPr>
               <a:t>Design Class Diagram, structure of application </a:t>
             </a:r>
-            <a:endParaRPr lang="en-US" sz="1800" dirty="0">
+            <a:endParaRPr lang="en-US" sz="1500" dirty="0">
               <a:effectLst/>
               <a:latin typeface="Calibri" panose="020F0502020204030204" pitchFamily="34" charset="0"/>
               <a:ea typeface="Calibri" panose="020F0502020204030204" pitchFamily="34" charset="0"/>
@@ -3908,9 +3890,6 @@
           </a:p>
           <a:p>
             <a:pPr marL="342900" marR="0" lvl="0" indent="-342900" algn="just">
-              <a:lnSpc>
-                <a:spcPct val="107000"/>
-              </a:lnSpc>
               <a:spcBef>
                 <a:spcPts val="0"/>
               </a:spcBef>
@@ -3921,7 +3900,7 @@
               <a:buChar char="-"/>
             </a:pPr>
             <a:r>
-              <a:rPr lang="en-US" sz="1800" dirty="0">
+              <a:rPr lang="en-US" sz="1500" dirty="0">
                 <a:effectLst/>
                 <a:latin typeface="Times New Roman" panose="02020603050405020304" pitchFamily="18" charset="0"/>
                 <a:ea typeface="Calibri" panose="020F0502020204030204" pitchFamily="34" charset="0"/>
@@ -3930,7 +3909,7 @@
               <a:t>Design GUI: </a:t>
             </a:r>
             <a:r>
-              <a:rPr lang="en-US" sz="1800" dirty="0" err="1">
+              <a:rPr lang="en-US" sz="1500" dirty="0" err="1">
                 <a:effectLst/>
                 <a:latin typeface="Times New Roman" panose="02020603050405020304" pitchFamily="18" charset="0"/>
                 <a:ea typeface="Calibri" panose="020F0502020204030204" pitchFamily="34" charset="0"/>
@@ -3939,7 +3918,7 @@
               <a:t>aboutUs.fxml</a:t>
             </a:r>
             <a:r>
-              <a:rPr lang="en-US" sz="1800" dirty="0">
+              <a:rPr lang="en-US" sz="1500" dirty="0">
                 <a:effectLst/>
                 <a:latin typeface="Times New Roman" panose="02020603050405020304" pitchFamily="18" charset="0"/>
                 <a:ea typeface="Calibri" panose="020F0502020204030204" pitchFamily="34" charset="0"/>
@@ -3948,7 +3927,7 @@
               <a:t> ,</a:t>
             </a:r>
             <a:r>
-              <a:rPr lang="en-US" sz="1800" dirty="0" err="1">
+              <a:rPr lang="en-US" sz="1500" dirty="0" err="1">
                 <a:effectLst/>
                 <a:latin typeface="Times New Roman" panose="02020603050405020304" pitchFamily="18" charset="0"/>
                 <a:ea typeface="Calibri" panose="020F0502020204030204" pitchFamily="34" charset="0"/>
@@ -3957,7 +3936,7 @@
               <a:t>instruction.fxml</a:t>
             </a:r>
             <a:r>
-              <a:rPr lang="en-US" sz="1800" dirty="0">
+              <a:rPr lang="en-US" sz="1500" dirty="0">
                 <a:effectLst/>
                 <a:latin typeface="Times New Roman" panose="02020603050405020304" pitchFamily="18" charset="0"/>
                 <a:ea typeface="Calibri" panose="020F0502020204030204" pitchFamily="34" charset="0"/>
@@ -3966,7 +3945,7 @@
               <a:t>, </a:t>
             </a:r>
             <a:r>
-              <a:rPr lang="en-US" sz="1800" dirty="0" err="1">
+              <a:rPr lang="en-US" sz="1500" dirty="0" err="1">
                 <a:effectLst/>
                 <a:latin typeface="Times New Roman" panose="02020603050405020304" pitchFamily="18" charset="0"/>
                 <a:ea typeface="Calibri" panose="020F0502020204030204" pitchFamily="34" charset="0"/>
@@ -3975,7 +3954,7 @@
               <a:t>piano.fxml</a:t>
             </a:r>
             <a:r>
-              <a:rPr lang="en-US" sz="1800" dirty="0">
+              <a:rPr lang="en-US" sz="1500" dirty="0">
                 <a:effectLst/>
                 <a:latin typeface="Times New Roman" panose="02020603050405020304" pitchFamily="18" charset="0"/>
                 <a:ea typeface="Calibri" panose="020F0502020204030204" pitchFamily="34" charset="0"/>
@@ -3983,7 +3962,7 @@
               </a:rPr>
               <a:t>  </a:t>
             </a:r>
-            <a:endParaRPr lang="en-US" sz="1800" dirty="0">
+            <a:endParaRPr lang="en-US" sz="1500" dirty="0">
               <a:effectLst/>
               <a:latin typeface="Calibri" panose="020F0502020204030204" pitchFamily="34" charset="0"/>
               <a:ea typeface="Calibri" panose="020F0502020204030204" pitchFamily="34" charset="0"/>
@@ -3992,9 +3971,6 @@
           </a:p>
           <a:p>
             <a:pPr marL="342900" marR="0" lvl="0" indent="-342900" algn="just">
-              <a:lnSpc>
-                <a:spcPct val="107000"/>
-              </a:lnSpc>
               <a:spcBef>
                 <a:spcPts val="0"/>
               </a:spcBef>
@@ -4005,7 +3981,7 @@
               <a:buChar char="-"/>
             </a:pPr>
             <a:r>
-              <a:rPr lang="en-US" sz="1800" dirty="0">
+              <a:rPr lang="en-US" sz="1500" dirty="0">
                 <a:effectLst/>
                 <a:latin typeface="Times New Roman" panose="02020603050405020304" pitchFamily="18" charset="0"/>
                 <a:ea typeface="Calibri" panose="020F0502020204030204" pitchFamily="34" charset="0"/>
@@ -4013,7 +3989,7 @@
               </a:rPr>
               <a:t>Write package:</a:t>
             </a:r>
-            <a:endParaRPr lang="en-US" sz="1800" dirty="0">
+            <a:endParaRPr lang="en-US" sz="1500" dirty="0">
               <a:effectLst/>
               <a:latin typeface="Calibri" panose="020F0502020204030204" pitchFamily="34" charset="0"/>
               <a:ea typeface="Calibri" panose="020F0502020204030204" pitchFamily="34" charset="0"/>
@@ -4022,9 +3998,6 @@
           </a:p>
           <a:p>
             <a:pPr marL="457200" marR="0" indent="457200">
-              <a:lnSpc>
-                <a:spcPct val="107000"/>
-              </a:lnSpc>
               <a:spcBef>
                 <a:spcPts val="0"/>
               </a:spcBef>
@@ -4033,7 +4006,7 @@
               </a:spcAft>
             </a:pPr>
             <a:r>
-              <a:rPr lang="en-US" sz="1800" dirty="0">
+              <a:rPr lang="en-US" sz="1500" dirty="0">
                 <a:effectLst/>
                 <a:latin typeface="Times New Roman" panose="02020603050405020304" pitchFamily="18" charset="0"/>
                 <a:ea typeface="Calibri" panose="020F0502020204030204" pitchFamily="34" charset="0"/>
@@ -4042,16 +4015,16 @@
               <a:t>+ Keyboard: </a:t>
             </a:r>
             <a:r>
-              <a:rPr lang="en-US" sz="1800" dirty="0" err="1">
+              <a:rPr lang="en-US" sz="1500" dirty="0" err="1">
                 <a:effectLst/>
                 <a:latin typeface="Times New Roman" panose="02020603050405020304" pitchFamily="18" charset="0"/>
                 <a:ea typeface="Calibri" panose="020F0502020204030204" pitchFamily="34" charset="0"/>
                 <a:cs typeface="Times New Roman" panose="02020603050405020304" pitchFamily="18" charset="0"/>
               </a:rPr>
-              <a:t>LoadGuitarNote</a:t>
-            </a:r>
-            <a:r>
-              <a:rPr lang="en-US" sz="1800" dirty="0">
+              <a:t>LoadGuitarKeyborad</a:t>
+            </a:r>
+            <a:r>
+              <a:rPr lang="en-US" sz="1500" dirty="0">
                 <a:effectLst/>
                 <a:latin typeface="Times New Roman" panose="02020603050405020304" pitchFamily="18" charset="0"/>
                 <a:ea typeface="Calibri" panose="020F0502020204030204" pitchFamily="34" charset="0"/>
@@ -4060,16 +4033,16 @@
               <a:t>, </a:t>
             </a:r>
             <a:r>
-              <a:rPr lang="en-US" sz="1800" dirty="0" err="1">
+              <a:rPr lang="en-US" sz="1500" dirty="0" err="1">
                 <a:effectLst/>
                 <a:latin typeface="Times New Roman" panose="02020603050405020304" pitchFamily="18" charset="0"/>
                 <a:ea typeface="Calibri" panose="020F0502020204030204" pitchFamily="34" charset="0"/>
                 <a:cs typeface="Times New Roman" panose="02020603050405020304" pitchFamily="18" charset="0"/>
               </a:rPr>
-              <a:t>LoadNote</a:t>
-            </a:r>
-            <a:r>
-              <a:rPr lang="en-US" sz="1800" dirty="0">
+              <a:t>LoadKeyborad</a:t>
+            </a:r>
+            <a:r>
+              <a:rPr lang="en-US" sz="1500" dirty="0">
                 <a:effectLst/>
                 <a:latin typeface="Times New Roman" panose="02020603050405020304" pitchFamily="18" charset="0"/>
                 <a:ea typeface="Calibri" panose="020F0502020204030204" pitchFamily="34" charset="0"/>
@@ -4078,16 +4051,16 @@
               <a:t>, </a:t>
             </a:r>
             <a:r>
-              <a:rPr lang="en-US" sz="1800" dirty="0" err="1">
+              <a:rPr lang="en-US" sz="1500" dirty="0" err="1">
                 <a:effectLst/>
                 <a:latin typeface="Times New Roman" panose="02020603050405020304" pitchFamily="18" charset="0"/>
                 <a:ea typeface="Calibri" panose="020F0502020204030204" pitchFamily="34" charset="0"/>
                 <a:cs typeface="Times New Roman" panose="02020603050405020304" pitchFamily="18" charset="0"/>
               </a:rPr>
-              <a:t>LoadPianoNote</a:t>
-            </a:r>
-            <a:r>
-              <a:rPr lang="en-US" sz="1800" dirty="0">
+              <a:t>LoadPianoKeyborad</a:t>
+            </a:r>
+            <a:r>
+              <a:rPr lang="en-US" sz="1500" dirty="0">
                 <a:effectLst/>
                 <a:latin typeface="Times New Roman" panose="02020603050405020304" pitchFamily="18" charset="0"/>
                 <a:ea typeface="Calibri" panose="020F0502020204030204" pitchFamily="34" charset="0"/>
@@ -4096,16 +4069,16 @@
               <a:t>, </a:t>
             </a:r>
             <a:r>
-              <a:rPr lang="en-US" sz="1800" dirty="0" err="1">
+              <a:rPr lang="en-US" sz="1500" dirty="0" err="1">
                 <a:effectLst/>
                 <a:latin typeface="Times New Roman" panose="02020603050405020304" pitchFamily="18" charset="0"/>
                 <a:ea typeface="Calibri" panose="020F0502020204030204" pitchFamily="34" charset="0"/>
                 <a:cs typeface="Times New Roman" panose="02020603050405020304" pitchFamily="18" charset="0"/>
               </a:rPr>
-              <a:t>LoadTrombone</a:t>
-            </a:r>
-            <a:r>
-              <a:rPr lang="en-US" sz="1800" dirty="0">
+              <a:t>LoadTromboneKeyborad</a:t>
+            </a:r>
+            <a:r>
+              <a:rPr lang="en-US" sz="1500" dirty="0">
                 <a:effectLst/>
                 <a:latin typeface="Times New Roman" panose="02020603050405020304" pitchFamily="18" charset="0"/>
                 <a:ea typeface="Calibri" panose="020F0502020204030204" pitchFamily="34" charset="0"/>
@@ -4114,42 +4087,24 @@
               <a:t>, </a:t>
             </a:r>
             <a:r>
-              <a:rPr lang="en-US" sz="1800" dirty="0" err="1">
+              <a:rPr lang="en-US" sz="1500" dirty="0" err="1">
                 <a:effectLst/>
                 <a:latin typeface="Times New Roman" panose="02020603050405020304" pitchFamily="18" charset="0"/>
                 <a:ea typeface="Calibri" panose="020F0502020204030204" pitchFamily="34" charset="0"/>
                 <a:cs typeface="Times New Roman" panose="02020603050405020304" pitchFamily="18" charset="0"/>
               </a:rPr>
-              <a:t>LoadViolinNote</a:t>
-            </a:r>
-            <a:r>
-              <a:rPr lang="en-US" sz="1800" dirty="0">
+              <a:t>LoadViolinKeyborad</a:t>
+            </a:r>
+            <a:r>
+              <a:rPr lang="en-US" sz="1500" dirty="0">
                 <a:effectLst/>
                 <a:latin typeface="Times New Roman" panose="02020603050405020304" pitchFamily="18" charset="0"/>
                 <a:ea typeface="Calibri" panose="020F0502020204030204" pitchFamily="34" charset="0"/>
                 <a:cs typeface="Times New Roman" panose="02020603050405020304" pitchFamily="18" charset="0"/>
               </a:rPr>
-              <a:t>, </a:t>
-            </a:r>
-            <a:r>
-              <a:rPr lang="en-US" sz="1800" dirty="0" err="1">
-                <a:effectLst/>
-                <a:latin typeface="Times New Roman" panose="02020603050405020304" pitchFamily="18" charset="0"/>
-                <a:ea typeface="Calibri" panose="020F0502020204030204" pitchFamily="34" charset="0"/>
-                <a:cs typeface="Times New Roman" panose="02020603050405020304" pitchFamily="18" charset="0"/>
-              </a:rPr>
-              <a:t>NewNote</a:t>
-            </a:r>
-            <a:r>
-              <a:rPr lang="en-US" sz="1800" dirty="0">
-                <a:effectLst/>
-                <a:latin typeface="Times New Roman" panose="02020603050405020304" pitchFamily="18" charset="0"/>
-                <a:ea typeface="Calibri" panose="020F0502020204030204" pitchFamily="34" charset="0"/>
-                <a:cs typeface="Times New Roman" panose="02020603050405020304" pitchFamily="18" charset="0"/>
-              </a:rPr>
-              <a:t>, Playable(interface).</a:t>
-            </a:r>
-            <a:endParaRPr lang="en-US" sz="1800" dirty="0">
+              <a:t>, Note, Playable(interface).</a:t>
+            </a:r>
+            <a:endParaRPr lang="en-US" sz="1500" dirty="0">
               <a:effectLst/>
               <a:latin typeface="Calibri" panose="020F0502020204030204" pitchFamily="34" charset="0"/>
               <a:ea typeface="Calibri" panose="020F0502020204030204" pitchFamily="34" charset="0"/>
@@ -4158,9 +4113,6 @@
           </a:p>
           <a:p>
             <a:pPr marL="457200" marR="0" indent="457200" algn="just">
-              <a:lnSpc>
-                <a:spcPct val="107000"/>
-              </a:lnSpc>
               <a:spcBef>
                 <a:spcPts val="0"/>
               </a:spcBef>
@@ -4169,7 +4121,7 @@
               </a:spcAft>
             </a:pPr>
             <a:r>
-              <a:rPr lang="en-US" sz="1800" dirty="0">
+              <a:rPr lang="en-US" sz="1500" dirty="0">
                 <a:effectLst/>
                 <a:latin typeface="Times New Roman" panose="02020603050405020304" pitchFamily="18" charset="0"/>
                 <a:ea typeface="Calibri" panose="020F0502020204030204" pitchFamily="34" charset="0"/>
@@ -4178,7 +4130,7 @@
               <a:t>+ screen: </a:t>
             </a:r>
             <a:r>
-              <a:rPr lang="en-US" sz="1800" dirty="0" err="1">
+              <a:rPr lang="en-US" sz="1500" dirty="0" err="1">
                 <a:effectLst/>
                 <a:latin typeface="Times New Roman" panose="02020603050405020304" pitchFamily="18" charset="0"/>
                 <a:ea typeface="Calibri" panose="020F0502020204030204" pitchFamily="34" charset="0"/>
@@ -4187,7 +4139,7 @@
               <a:t>MidiApp</a:t>
             </a:r>
             <a:r>
-              <a:rPr lang="en-US" sz="1800" dirty="0">
+              <a:rPr lang="en-US" sz="1500" dirty="0">
                 <a:effectLst/>
                 <a:latin typeface="Times New Roman" panose="02020603050405020304" pitchFamily="18" charset="0"/>
                 <a:ea typeface="Calibri" panose="020F0502020204030204" pitchFamily="34" charset="0"/>
@@ -4196,7 +4148,7 @@
               <a:t>, </a:t>
             </a:r>
             <a:r>
-              <a:rPr lang="en-US" sz="1800" dirty="0" err="1">
+              <a:rPr lang="en-US" sz="1500" dirty="0" err="1">
                 <a:effectLst/>
                 <a:latin typeface="Times New Roman" panose="02020603050405020304" pitchFamily="18" charset="0"/>
                 <a:ea typeface="Calibri" panose="020F0502020204030204" pitchFamily="34" charset="0"/>
@@ -4205,7 +4157,7 @@
               <a:t>MidiAppController</a:t>
             </a:r>
             <a:r>
-              <a:rPr lang="en-US" sz="1800" dirty="0">
+              <a:rPr lang="en-US" sz="1500" dirty="0">
                 <a:effectLst/>
                 <a:latin typeface="Times New Roman" panose="02020603050405020304" pitchFamily="18" charset="0"/>
                 <a:ea typeface="Calibri" panose="020F0502020204030204" pitchFamily="34" charset="0"/>
@@ -4213,7 +4165,7 @@
               </a:rPr>
               <a:t>.</a:t>
             </a:r>
-            <a:endParaRPr lang="en-US" sz="1800" dirty="0">
+            <a:endParaRPr lang="en-US" sz="1500" dirty="0">
               <a:effectLst/>
               <a:latin typeface="Calibri" panose="020F0502020204030204" pitchFamily="34" charset="0"/>
               <a:ea typeface="Calibri" panose="020F0502020204030204" pitchFamily="34" charset="0"/>
@@ -4222,9 +4174,6 @@
           </a:p>
           <a:p>
             <a:pPr marL="342900" marR="0" lvl="0" indent="-342900" algn="just">
-              <a:lnSpc>
-                <a:spcPct val="107000"/>
-              </a:lnSpc>
               <a:spcBef>
                 <a:spcPts val="0"/>
               </a:spcBef>
@@ -4235,7 +4184,7 @@
               <a:buChar char="-"/>
             </a:pPr>
             <a:r>
-              <a:rPr lang="en-US" sz="1800" dirty="0">
+              <a:rPr lang="en-US" sz="1500" dirty="0">
                 <a:effectLst/>
                 <a:latin typeface="Times New Roman" panose="02020603050405020304" pitchFamily="18" charset="0"/>
                 <a:ea typeface="Calibri" panose="020F0502020204030204" pitchFamily="34" charset="0"/>
@@ -4243,7 +4192,7 @@
               </a:rPr>
               <a:t>Write report</a:t>
             </a:r>
-            <a:endParaRPr lang="en-US" sz="1800" dirty="0">
+            <a:endParaRPr lang="en-US" sz="1500" dirty="0">
               <a:effectLst/>
               <a:latin typeface="Calibri" panose="020F0502020204030204" pitchFamily="34" charset="0"/>
               <a:ea typeface="Calibri" panose="020F0502020204030204" pitchFamily="34" charset="0"/>
@@ -4252,9 +4201,6 @@
           </a:p>
           <a:p>
             <a:pPr marL="0" marR="0" algn="just">
-              <a:lnSpc>
-                <a:spcPct val="107000"/>
-              </a:lnSpc>
               <a:spcBef>
                 <a:spcPts val="0"/>
               </a:spcBef>
@@ -4263,7 +4209,7 @@
               </a:spcAft>
             </a:pPr>
             <a:r>
-              <a:rPr lang="en-US" sz="1800" dirty="0">
+              <a:rPr lang="en-US" sz="1500" dirty="0">
                 <a:effectLst/>
                 <a:latin typeface="Times New Roman" panose="02020603050405020304" pitchFamily="18" charset="0"/>
                 <a:ea typeface="Calibri" panose="020F0502020204030204" pitchFamily="34" charset="0"/>
@@ -4271,7 +4217,7 @@
               </a:rPr>
               <a:t>Nguyen Ba Hai:</a:t>
             </a:r>
-            <a:endParaRPr lang="en-US" sz="1800" dirty="0">
+            <a:endParaRPr lang="en-US" sz="1500" dirty="0">
               <a:effectLst/>
               <a:latin typeface="Calibri" panose="020F0502020204030204" pitchFamily="34" charset="0"/>
               <a:ea typeface="Calibri" panose="020F0502020204030204" pitchFamily="34" charset="0"/>
@@ -4280,9 +4226,6 @@
           </a:p>
           <a:p>
             <a:pPr marL="342900" marR="0" lvl="0" indent="-342900" algn="just">
-              <a:lnSpc>
-                <a:spcPct val="107000"/>
-              </a:lnSpc>
               <a:spcBef>
                 <a:spcPts val="0"/>
               </a:spcBef>
@@ -4293,15 +4236,33 @@
               <a:buChar char="-"/>
             </a:pPr>
             <a:r>
-              <a:rPr lang="en-US" sz="1800" dirty="0">
+              <a:rPr lang="en-US" sz="1500" dirty="0">
                 <a:effectLst/>
                 <a:latin typeface="Times New Roman" panose="02020603050405020304" pitchFamily="18" charset="0"/>
                 <a:ea typeface="Calibri" panose="020F0502020204030204" pitchFamily="34" charset="0"/>
                 <a:cs typeface="Times New Roman" panose="02020603050405020304" pitchFamily="18" charset="0"/>
               </a:rPr>
-              <a:t>Design Class Diagram, structure of application</a:t>
-            </a:r>
-            <a:endParaRPr lang="en-US" sz="1800" dirty="0">
+              <a:t>Design Class Diagram, the structure of application, design GUI (</a:t>
+            </a:r>
+            <a:r>
+              <a:rPr lang="en-US" sz="1500" dirty="0" err="1">
+                <a:effectLst/>
+                <a:latin typeface="Times New Roman" panose="02020603050405020304" pitchFamily="18" charset="0"/>
+                <a:ea typeface="Calibri" panose="020F0502020204030204" pitchFamily="34" charset="0"/>
+                <a:cs typeface="Times New Roman" panose="02020603050405020304" pitchFamily="18" charset="0"/>
+              </a:rPr>
+              <a:t>piano.fxml</a:t>
+            </a:r>
+            <a:r>
+              <a:rPr lang="en-US" sz="1500" dirty="0">
+                <a:effectLst/>
+                <a:latin typeface="Times New Roman" panose="02020603050405020304" pitchFamily="18" charset="0"/>
+                <a:ea typeface="Calibri" panose="020F0502020204030204" pitchFamily="34" charset="0"/>
+                <a:cs typeface="Times New Roman" panose="02020603050405020304" pitchFamily="18" charset="0"/>
+              </a:rPr>
+              <a:t>)</a:t>
+            </a:r>
+            <a:endParaRPr lang="en-US" sz="1500" dirty="0">
               <a:effectLst/>
               <a:latin typeface="Calibri" panose="020F0502020204030204" pitchFamily="34" charset="0"/>
               <a:ea typeface="Calibri" panose="020F0502020204030204" pitchFamily="34" charset="0"/>
@@ -4310,9 +4271,6 @@
           </a:p>
           <a:p>
             <a:pPr marL="342900" marR="0" lvl="0" indent="-342900" algn="just">
-              <a:lnSpc>
-                <a:spcPct val="107000"/>
-              </a:lnSpc>
               <a:spcBef>
                 <a:spcPts val="0"/>
               </a:spcBef>
@@ -4323,7 +4281,7 @@
               <a:buChar char="-"/>
             </a:pPr>
             <a:r>
-              <a:rPr lang="en-US" sz="1800" dirty="0">
+              <a:rPr lang="en-US" sz="1500" dirty="0">
                 <a:effectLst/>
                 <a:latin typeface="Times New Roman" panose="02020603050405020304" pitchFamily="18" charset="0"/>
                 <a:ea typeface="Calibri" panose="020F0502020204030204" pitchFamily="34" charset="0"/>
@@ -4331,7 +4289,7 @@
               </a:rPr>
               <a:t>Write package:</a:t>
             </a:r>
-            <a:endParaRPr lang="en-US" sz="1800" dirty="0">
+            <a:endParaRPr lang="en-US" sz="1500" dirty="0">
               <a:effectLst/>
               <a:latin typeface="Calibri" panose="020F0502020204030204" pitchFamily="34" charset="0"/>
               <a:ea typeface="Calibri" panose="020F0502020204030204" pitchFamily="34" charset="0"/>
@@ -4340,9 +4298,6 @@
           </a:p>
           <a:p>
             <a:pPr marL="457200" marR="0" indent="457200" algn="just">
-              <a:lnSpc>
-                <a:spcPct val="107000"/>
-              </a:lnSpc>
               <a:spcBef>
                 <a:spcPts val="0"/>
               </a:spcBef>
@@ -4351,7 +4306,7 @@
               </a:spcAft>
             </a:pPr>
             <a:r>
-              <a:rPr lang="en-US" sz="1800" dirty="0">
+              <a:rPr lang="en-US" sz="1500" dirty="0">
                 <a:effectLst/>
                 <a:latin typeface="Times New Roman" panose="02020603050405020304" pitchFamily="18" charset="0"/>
                 <a:ea typeface="Calibri" panose="020F0502020204030204" pitchFamily="34" charset="0"/>
@@ -4360,7 +4315,7 @@
               <a:t>+ record: Record, </a:t>
             </a:r>
             <a:r>
-              <a:rPr lang="en-US" sz="1800" dirty="0" err="1">
+              <a:rPr lang="en-US" sz="1500" dirty="0" err="1">
                 <a:effectLst/>
                 <a:latin typeface="Times New Roman" panose="02020603050405020304" pitchFamily="18" charset="0"/>
                 <a:ea typeface="Calibri" panose="020F0502020204030204" pitchFamily="34" charset="0"/>
@@ -4369,7 +4324,7 @@
               <a:t>RecordList</a:t>
             </a:r>
             <a:r>
-              <a:rPr lang="en-US" sz="1800" dirty="0">
+              <a:rPr lang="en-US" sz="1500" dirty="0">
                 <a:effectLst/>
                 <a:latin typeface="Times New Roman" panose="02020603050405020304" pitchFamily="18" charset="0"/>
                 <a:ea typeface="Calibri" panose="020F0502020204030204" pitchFamily="34" charset="0"/>
@@ -4377,7 +4332,7 @@
               </a:rPr>
               <a:t>.</a:t>
             </a:r>
-            <a:endParaRPr lang="en-US" sz="1800" dirty="0">
+            <a:endParaRPr lang="en-US" sz="1500" dirty="0">
               <a:effectLst/>
               <a:latin typeface="Calibri" panose="020F0502020204030204" pitchFamily="34" charset="0"/>
               <a:ea typeface="Calibri" panose="020F0502020204030204" pitchFamily="34" charset="0"/>
@@ -4386,9 +4341,6 @@
           </a:p>
           <a:p>
             <a:pPr marL="457200" marR="0" indent="457200" algn="just">
-              <a:lnSpc>
-                <a:spcPct val="107000"/>
-              </a:lnSpc>
               <a:spcBef>
                 <a:spcPts val="0"/>
               </a:spcBef>
@@ -4397,7 +4349,7 @@
               </a:spcAft>
             </a:pPr>
             <a:r>
-              <a:rPr lang="en-US" sz="1800" dirty="0">
+              <a:rPr lang="en-US" sz="1500" dirty="0">
                 <a:effectLst/>
                 <a:latin typeface="Times New Roman" panose="02020603050405020304" pitchFamily="18" charset="0"/>
                 <a:ea typeface="Calibri" panose="020F0502020204030204" pitchFamily="34" charset="0"/>
@@ -4406,7 +4358,7 @@
               <a:t>+ screen: </a:t>
             </a:r>
             <a:r>
-              <a:rPr lang="en-US" sz="1800" dirty="0" err="1">
+              <a:rPr lang="en-US" sz="1500" dirty="0" err="1">
                 <a:effectLst/>
                 <a:latin typeface="Times New Roman" panose="02020603050405020304" pitchFamily="18" charset="0"/>
                 <a:ea typeface="Calibri" panose="020F0502020204030204" pitchFamily="34" charset="0"/>
@@ -4415,7 +4367,7 @@
               <a:t>RecordScreen</a:t>
             </a:r>
             <a:r>
-              <a:rPr lang="en-US" sz="1800" dirty="0">
+              <a:rPr lang="en-US" sz="1500" dirty="0">
                 <a:effectLst/>
                 <a:latin typeface="Times New Roman" panose="02020603050405020304" pitchFamily="18" charset="0"/>
                 <a:ea typeface="Calibri" panose="020F0502020204030204" pitchFamily="34" charset="0"/>
@@ -4424,7 +4376,7 @@
               <a:t>, </a:t>
             </a:r>
             <a:r>
-              <a:rPr lang="en-US" sz="1800" dirty="0" err="1">
+              <a:rPr lang="en-US" sz="1500" dirty="0" err="1">
                 <a:effectLst/>
                 <a:latin typeface="Times New Roman" panose="02020603050405020304" pitchFamily="18" charset="0"/>
                 <a:ea typeface="Calibri" panose="020F0502020204030204" pitchFamily="34" charset="0"/>
@@ -4433,7 +4385,7 @@
               <a:t>RecordItemScreen</a:t>
             </a:r>
             <a:r>
-              <a:rPr lang="en-US" sz="1800" dirty="0">
+              <a:rPr lang="en-US" sz="1500" dirty="0">
                 <a:effectLst/>
                 <a:latin typeface="Times New Roman" panose="02020603050405020304" pitchFamily="18" charset="0"/>
                 <a:ea typeface="Calibri" panose="020F0502020204030204" pitchFamily="34" charset="0"/>
@@ -4441,7 +4393,7 @@
               </a:rPr>
               <a:t>.</a:t>
             </a:r>
-            <a:endParaRPr lang="en-US" sz="1800" dirty="0">
+            <a:endParaRPr lang="en-US" sz="1500" dirty="0">
               <a:effectLst/>
               <a:latin typeface="Calibri" panose="020F0502020204030204" pitchFamily="34" charset="0"/>
               <a:ea typeface="Calibri" panose="020F0502020204030204" pitchFamily="34" charset="0"/>
@@ -4450,9 +4402,6 @@
           </a:p>
           <a:p>
             <a:pPr marL="0" marR="0" algn="just">
-              <a:lnSpc>
-                <a:spcPct val="107000"/>
-              </a:lnSpc>
               <a:spcBef>
                 <a:spcPts val="0"/>
               </a:spcBef>
@@ -4461,7 +4410,7 @@
               </a:spcAft>
             </a:pPr>
             <a:r>
-              <a:rPr lang="en-US" sz="1800" dirty="0">
+              <a:rPr lang="en-US" sz="1500" dirty="0">
                 <a:effectLst/>
                 <a:latin typeface="Times New Roman" panose="02020603050405020304" pitchFamily="18" charset="0"/>
                 <a:ea typeface="Calibri" panose="020F0502020204030204" pitchFamily="34" charset="0"/>
@@ -4469,7 +4418,7 @@
               </a:rPr>
               <a:t>Vu Thanh Hai:</a:t>
             </a:r>
-            <a:endParaRPr lang="en-US" sz="1800" dirty="0">
+            <a:endParaRPr lang="en-US" sz="1500" dirty="0">
               <a:effectLst/>
               <a:latin typeface="Calibri" panose="020F0502020204030204" pitchFamily="34" charset="0"/>
               <a:ea typeface="Calibri" panose="020F0502020204030204" pitchFamily="34" charset="0"/>
@@ -4478,9 +4427,6 @@
           </a:p>
           <a:p>
             <a:pPr marL="342900" marR="0" lvl="0" indent="-342900" algn="just">
-              <a:lnSpc>
-                <a:spcPct val="107000"/>
-              </a:lnSpc>
               <a:spcBef>
                 <a:spcPts val="0"/>
               </a:spcBef>
@@ -4491,7 +4437,7 @@
               <a:buChar char="-"/>
             </a:pPr>
             <a:r>
-              <a:rPr lang="en-US" sz="1800" dirty="0">
+              <a:rPr lang="en-US" sz="1500" dirty="0">
                 <a:effectLst/>
                 <a:latin typeface="Times New Roman" panose="02020603050405020304" pitchFamily="18" charset="0"/>
                 <a:ea typeface="Calibri" panose="020F0502020204030204" pitchFamily="34" charset="0"/>
@@ -4499,7 +4445,44 @@
               </a:rPr>
               <a:t>Writing report.</a:t>
             </a:r>
-            <a:endParaRPr lang="en-US" sz="1800" dirty="0">
+          </a:p>
+          <a:p>
+            <a:pPr marL="342900" marR="0" lvl="0" indent="-342900" algn="just">
+              <a:spcBef>
+                <a:spcPts val="0"/>
+              </a:spcBef>
+              <a:spcAft>
+                <a:spcPts val="800"/>
+              </a:spcAft>
+              <a:buFont typeface="Times New Roman" panose="02020603050405020304" pitchFamily="18" charset="0"/>
+              <a:buChar char="-"/>
+            </a:pPr>
+            <a:r>
+              <a:rPr lang="en-US" sz="1500" dirty="0">
+                <a:effectLst/>
+                <a:latin typeface="Times New Roman" panose="02020603050405020304" pitchFamily="18" charset="0"/>
+                <a:ea typeface="Calibri" panose="020F0502020204030204" pitchFamily="34" charset="0"/>
+                <a:cs typeface="Times New Roman" panose="02020603050405020304" pitchFamily="18" charset="0"/>
+              </a:rPr>
+              <a:t>Making Demo video.</a:t>
+            </a:r>
+            <a:endParaRPr lang="en-US" sz="1500" dirty="0">
+              <a:effectLst/>
+              <a:latin typeface="Calibri" panose="020F0502020204030204" pitchFamily="34" charset="0"/>
+              <a:ea typeface="Calibri" panose="020F0502020204030204" pitchFamily="34" charset="0"/>
+              <a:cs typeface="Times New Roman" panose="02020603050405020304" pitchFamily="18" charset="0"/>
+            </a:endParaRPr>
+          </a:p>
+          <a:p>
+            <a:r>
+              <a:rPr lang="en-US" sz="1500" dirty="0">
+                <a:effectLst/>
+                <a:latin typeface="Times New Roman" panose="02020603050405020304" pitchFamily="18" charset="0"/>
+                <a:ea typeface="Calibri" panose="020F0502020204030204" pitchFamily="34" charset="0"/>
+              </a:rPr>
+              <a:t>-     Test the application.</a:t>
+            </a:r>
+            <a:endParaRPr lang="en-US" sz="1500" dirty="0">
               <a:effectLst/>
               <a:latin typeface="Calibri" panose="020F0502020204030204" pitchFamily="34" charset="0"/>
               <a:ea typeface="Calibri" panose="020F0502020204030204" pitchFamily="34" charset="0"/>
@@ -4769,8 +4752,8 @@
         </p:blipFill>
         <p:spPr>
           <a:xfrm>
-            <a:off x="1374836" y="691329"/>
-            <a:ext cx="9017391" cy="5475342"/>
+            <a:off x="1341120" y="670857"/>
+            <a:ext cx="9051107" cy="5495814"/>
           </a:xfrm>
         </p:spPr>
       </p:pic>
@@ -4856,7 +4839,12 @@
             <p:ph type="body" sz="quarter" idx="10"/>
           </p:nvPr>
         </p:nvSpPr>
-        <p:spPr/>
+        <p:spPr>
+          <a:xfrm>
+            <a:off x="338736" y="1181099"/>
+            <a:ext cx="2747364" cy="4790123"/>
+          </a:xfrm>
+        </p:spPr>
         <p:txBody>
           <a:bodyPr/>
           <a:lstStyle/>
@@ -4864,24 +4852,114 @@
             <a:pPr marL="0" indent="0">
               <a:buNone/>
             </a:pPr>
-            <a:endParaRPr lang="en-US" sz="1800" dirty="0">
-              <a:solidFill>
-                <a:srgbClr val="808080"/>
-              </a:solidFill>
-              <a:latin typeface="Consolas" panose="020B0609020204030204" pitchFamily="49" charset="0"/>
-            </a:endParaRPr>
-          </a:p>
-          <a:p>
+            <a:r>
+              <a:rPr lang="en-US" sz="1800" dirty="0">
+                <a:solidFill>
+                  <a:srgbClr val="808080"/>
+                </a:solidFill>
+                <a:latin typeface="Consolas" panose="020B0609020204030204" pitchFamily="49" charset="0"/>
+              </a:rPr>
+              <a:t>The application is</a:t>
+            </a:r>
+          </a:p>
+          <a:p>
+            <a:pPr marL="0" indent="0">
+              <a:buNone/>
+            </a:pPr>
+            <a:r>
+              <a:rPr lang="en-US" sz="1800" dirty="0">
+                <a:solidFill>
+                  <a:srgbClr val="808080"/>
+                </a:solidFill>
+                <a:latin typeface="Consolas" panose="020B0609020204030204" pitchFamily="49" charset="0"/>
+              </a:rPr>
+              <a:t>divide into </a:t>
+            </a:r>
+          </a:p>
+          <a:p>
+            <a:pPr marL="0" indent="0">
+              <a:buNone/>
+            </a:pPr>
+            <a:r>
+              <a:rPr lang="en-US" sz="1800" dirty="0">
+                <a:solidFill>
+                  <a:srgbClr val="808080"/>
+                </a:solidFill>
+                <a:latin typeface="Consolas" panose="020B0609020204030204" pitchFamily="49" charset="0"/>
+              </a:rPr>
+              <a:t>3 packages: </a:t>
+            </a:r>
+          </a:p>
+          <a:p>
+            <a:pPr marL="0" indent="0">
+              <a:buNone/>
+            </a:pPr>
+            <a:r>
+              <a:rPr lang="en-US" sz="1800" dirty="0">
+                <a:solidFill>
+                  <a:srgbClr val="808080"/>
+                </a:solidFill>
+                <a:latin typeface="Consolas" panose="020B0609020204030204" pitchFamily="49" charset="0"/>
+              </a:rPr>
+              <a:t>	+ keyboard </a:t>
+            </a:r>
+          </a:p>
+          <a:p>
+            <a:pPr marL="0" indent="0">
+              <a:buNone/>
+            </a:pPr>
+            <a:r>
+              <a:rPr lang="en-US" sz="1800" dirty="0">
+                <a:solidFill>
+                  <a:srgbClr val="808080"/>
+                </a:solidFill>
+                <a:latin typeface="Consolas" panose="020B0609020204030204" pitchFamily="49" charset="0"/>
+              </a:rPr>
+              <a:t>	+ screen </a:t>
+            </a:r>
+          </a:p>
+          <a:p>
+            <a:pPr marL="0" indent="0">
+              <a:buNone/>
+            </a:pPr>
+            <a:r>
+              <a:rPr lang="en-US" sz="1800" dirty="0">
+                <a:solidFill>
+                  <a:srgbClr val="808080"/>
+                </a:solidFill>
+                <a:latin typeface="Consolas" panose="020B0609020204030204" pitchFamily="49" charset="0"/>
+              </a:rPr>
+              <a:t>	+ record</a:t>
+            </a:r>
+          </a:p>
+          <a:p>
+            <a:pPr marL="0" indent="0">
+              <a:buNone/>
+            </a:pPr>
+            <a:r>
+              <a:rPr lang="en-US" sz="1800" dirty="0">
+                <a:solidFill>
+                  <a:srgbClr val="808080"/>
+                </a:solidFill>
+                <a:latin typeface="Consolas" panose="020B0609020204030204" pitchFamily="49" charset="0"/>
+              </a:rPr>
+              <a:t>Each package has a specific role in the system.</a:t>
+            </a:r>
+          </a:p>
+          <a:p>
+            <a:pPr marL="0" indent="0">
+              <a:buNone/>
+            </a:pPr>
             <a:endParaRPr lang="en-US" dirty="0"/>
           </a:p>
         </p:txBody>
       </p:sp>
       <p:pic>
         <p:nvPicPr>
-          <p:cNvPr id="6" name="Hình ảnh 5">
+          <p:cNvPr id="8" name="Hình ảnh 7">
             <a:extLst>
               <a:ext uri="{FF2B5EF4-FFF2-40B4-BE49-F238E27FC236}">
-                <a16:creationId xmlns:a16="http://schemas.microsoft.com/office/drawing/2014/main" id="{11E0D706-15E2-FAD1-4A6E-C96767FB7C68}"/>
+                <a16:creationId xmlns:a16="http://schemas.microsoft.com/office/drawing/2014/main" id="{CBCB7CDD-C2FA-CA11-8434-2110699ABB43}"/>
               </a:ext>
             </a:extLst>
           </p:cNvPr>
@@ -4904,8 +4982,8 @@
         </p:blipFill>
         <p:spPr>
           <a:xfrm>
-            <a:off x="856343" y="697317"/>
-            <a:ext cx="10363200" cy="5717998"/>
+            <a:off x="3533775" y="795571"/>
+            <a:ext cx="8319489" cy="5290903"/>
           </a:xfrm>
           <a:prstGeom prst="rect">
             <a:avLst/>
@@ -4953,11 +5031,11 @@
           <a:lstStyle/>
           <a:p>
             <a:r>
-              <a:rPr lang="en-US" dirty="0"/>
+              <a:rPr lang="en-US"/>
               <a:t>Detail Class Diagram</a:t>
             </a:r>
             <a:br>
-              <a:rPr lang="en-US" dirty="0"/>
+              <a:rPr lang="en-US"/>
             </a:br>
             <a:endParaRPr lang="en-US" dirty="0"/>
           </a:p>
@@ -4992,10 +5070,10 @@
       </p:sp>
       <p:pic>
         <p:nvPicPr>
-          <p:cNvPr id="6" name="Hình ảnh 5">
+          <p:cNvPr id="8" name="Hình ảnh 7">
             <a:extLst>
               <a:ext uri="{FF2B5EF4-FFF2-40B4-BE49-F238E27FC236}">
-                <a16:creationId xmlns:a16="http://schemas.microsoft.com/office/drawing/2014/main" id="{3954063F-7A66-DB80-A752-80EC9B0D5281}"/>
+                <a16:creationId xmlns:a16="http://schemas.microsoft.com/office/drawing/2014/main" id="{87EFA202-8B68-EA92-0B34-680B0F49FAF7}"/>
               </a:ext>
             </a:extLst>
           </p:cNvPr>
@@ -5018,8 +5096,8 @@
         </p:blipFill>
         <p:spPr>
           <a:xfrm>
-            <a:off x="512308" y="548641"/>
-            <a:ext cx="11166185" cy="6032799"/>
+            <a:off x="780451" y="548641"/>
+            <a:ext cx="10782300" cy="6188517"/>
           </a:xfrm>
           <a:prstGeom prst="rect">
             <a:avLst/>
@@ -5083,7 +5161,12 @@
             <p:ph type="body" sz="quarter" idx="10"/>
           </p:nvPr>
         </p:nvSpPr>
-        <p:spPr/>
+        <p:spPr>
+          <a:xfrm>
+            <a:off x="338736" y="2483701"/>
+            <a:ext cx="3119763" cy="2067741"/>
+          </a:xfrm>
+        </p:spPr>
         <p:txBody>
           <a:bodyPr/>
           <a:lstStyle/>
@@ -5092,12 +5175,12 @@
               <a:buNone/>
             </a:pPr>
             <a:r>
-              <a:rPr lang="en-US" sz="2400" dirty="0">
+              <a:rPr lang="en-US" sz="1800" dirty="0">
                 <a:effectLst/>
                 <a:latin typeface="Times New Roman" panose="02020603050405020304" pitchFamily="18" charset="0"/>
                 <a:ea typeface="Calibri" panose="020F0502020204030204" pitchFamily="34" charset="0"/>
               </a:rPr>
-              <a:t>The object’s information is hidden, and communication with the object is just using methods.</a:t>
+              <a:t>The encapsulation is represented in the design of the program. In this app, we divide the program into 3 main packages: keyboard, screen, and record. </a:t>
             </a:r>
             <a:endParaRPr lang="en-US" sz="2400" dirty="0"/>
           </a:p>
@@ -5105,10 +5188,10 @@
       </p:sp>
       <p:pic>
         <p:nvPicPr>
-          <p:cNvPr id="7" name="Hình ảnh 6">
+          <p:cNvPr id="6" name="Hình ảnh 5">
             <a:extLst>
               <a:ext uri="{FF2B5EF4-FFF2-40B4-BE49-F238E27FC236}">
-                <a16:creationId xmlns:a16="http://schemas.microsoft.com/office/drawing/2014/main" id="{01053283-9E48-1F78-8603-88F13888A874}"/>
+                <a16:creationId xmlns:a16="http://schemas.microsoft.com/office/drawing/2014/main" id="{28C51C0B-BA3F-A693-E42F-3EDDF079ED23}"/>
               </a:ext>
             </a:extLst>
           </p:cNvPr>
@@ -5118,15 +5201,21 @@
           <p:nvPr/>
         </p:nvPicPr>
         <p:blipFill>
-          <a:blip r:embed="rId2"/>
+          <a:blip r:embed="rId2">
+            <a:extLst>
+              <a:ext uri="{28A0092B-C50C-407E-A947-70E740481C1C}">
+                <a14:useLocalDpi xmlns:a14="http://schemas.microsoft.com/office/drawing/2010/main" val="0"/>
+              </a:ext>
+            </a:extLst>
+          </a:blip>
           <a:stretch>
             <a:fillRect/>
           </a:stretch>
         </p:blipFill>
         <p:spPr>
           <a:xfrm>
-            <a:off x="2124221" y="1550044"/>
-            <a:ext cx="7250423" cy="4905048"/>
+            <a:off x="3458500" y="912686"/>
+            <a:ext cx="8120358" cy="5164263"/>
           </a:xfrm>
           <a:prstGeom prst="rect">
             <a:avLst/>
@@ -5213,12 +5302,107 @@
           </a:p>
         </p:txBody>
       </p:sp>
+      <p:sp>
+        <p:nvSpPr>
+          <p:cNvPr id="4" name="Hộp Văn bản 3">
+            <a:extLst>
+              <a:ext uri="{FF2B5EF4-FFF2-40B4-BE49-F238E27FC236}">
+                <a16:creationId xmlns:a16="http://schemas.microsoft.com/office/drawing/2014/main" id="{F6B4A056-4E03-6315-43BA-66CA83ED7036}"/>
+              </a:ext>
+            </a:extLst>
+          </p:cNvPr>
+          <p:cNvSpPr txBox="1"/>
+          <p:nvPr/>
+        </p:nvSpPr>
+        <p:spPr>
+          <a:xfrm>
+            <a:off x="447270" y="2413337"/>
+            <a:ext cx="4861406" cy="2308324"/>
+          </a:xfrm>
+          <a:prstGeom prst="rect">
+            <a:avLst/>
+          </a:prstGeom>
+          <a:noFill/>
+        </p:spPr>
+        <p:txBody>
+          <a:bodyPr wrap="square" rtlCol="0">
+            <a:spAutoFit/>
+          </a:bodyPr>
+          <a:lstStyle/>
+          <a:p>
+            <a:r>
+              <a:rPr lang="en-US" dirty="0">
+                <a:latin typeface="Times New Roman" panose="02020603050405020304" pitchFamily="18" charset="0"/>
+                <a:cs typeface="Times New Roman" panose="02020603050405020304" pitchFamily="18" charset="0"/>
+              </a:rPr>
+              <a:t>Abstract class </a:t>
+            </a:r>
+            <a:r>
+              <a:rPr lang="en-US" dirty="0" err="1">
+                <a:latin typeface="Times New Roman" panose="02020603050405020304" pitchFamily="18" charset="0"/>
+                <a:cs typeface="Times New Roman" panose="02020603050405020304" pitchFamily="18" charset="0"/>
+              </a:rPr>
+              <a:t>LoadKeyboard</a:t>
+            </a:r>
+            <a:endParaRPr lang="en-US" dirty="0">
+              <a:latin typeface="Times New Roman" panose="02020603050405020304" pitchFamily="18" charset="0"/>
+              <a:cs typeface="Times New Roman" panose="02020603050405020304" pitchFamily="18" charset="0"/>
+            </a:endParaRPr>
+          </a:p>
+          <a:p>
+            <a:r>
+              <a:rPr lang="en-US" dirty="0">
+                <a:latin typeface="Times New Roman" panose="02020603050405020304" pitchFamily="18" charset="0"/>
+                <a:cs typeface="Times New Roman" panose="02020603050405020304" pitchFamily="18" charset="0"/>
+              </a:rPr>
+              <a:t>	</a:t>
+            </a:r>
+          </a:p>
+          <a:p>
+            <a:pPr marL="285750" indent="-285750">
+              <a:buFontTx/>
+              <a:buChar char="-"/>
+            </a:pPr>
+            <a:r>
+              <a:rPr lang="en-US" b="0" i="0" dirty="0">
+                <a:effectLst/>
+                <a:latin typeface="Times New Roman" panose="02020603050405020304" pitchFamily="18" charset="0"/>
+                <a:cs typeface="Times New Roman" panose="02020603050405020304" pitchFamily="18" charset="0"/>
+              </a:rPr>
+              <a:t>Abstract classes serve as templates for their subclasses.</a:t>
+            </a:r>
+          </a:p>
+          <a:p>
+            <a:r>
+              <a:rPr lang="en-US" b="0" i="0" dirty="0">
+                <a:solidFill>
+                  <a:srgbClr val="424242"/>
+                </a:solidFill>
+                <a:effectLst/>
+                <a:latin typeface="Verdana" panose="020B0604030504040204" pitchFamily="34" charset="0"/>
+              </a:rPr>
+              <a:t>-  </a:t>
+            </a:r>
+            <a:r>
+              <a:rPr lang="en-US" b="0" i="0" dirty="0">
+                <a:effectLst/>
+                <a:latin typeface="Times New Roman" panose="02020603050405020304" pitchFamily="18" charset="0"/>
+                <a:cs typeface="Times New Roman" panose="02020603050405020304" pitchFamily="18" charset="0"/>
+              </a:rPr>
+              <a:t>Abstract classes require subclasses to further define attributes necessary for individual instantiation</a:t>
+            </a:r>
+          </a:p>
+          <a:p>
+            <a:endParaRPr lang="en-US" dirty="0"/>
+          </a:p>
+        </p:txBody>
+      </p:sp>
       <p:pic>
         <p:nvPicPr>
-          <p:cNvPr id="5" name="Hình ảnh 4" descr="Ảnh có chứa văn bản&#10;&#10;Mô tả được tạo tự động">
+          <p:cNvPr id="9" name="Hình ảnh 8">
             <a:extLst>
               <a:ext uri="{FF2B5EF4-FFF2-40B4-BE49-F238E27FC236}">
-                <a16:creationId xmlns:a16="http://schemas.microsoft.com/office/drawing/2014/main" id="{BED45DBC-778F-61C9-CBEB-704A9FF5ABF6}"/>
+                <a16:creationId xmlns:a16="http://schemas.microsoft.com/office/drawing/2014/main" id="{FB6D97FB-BCA5-3CF9-6DAB-ED7F0C1B6AB5}"/>
               </a:ext>
             </a:extLst>
           </p:cNvPr>
@@ -5235,57 +5419,14 @@
         </p:blipFill>
         <p:spPr>
           <a:xfrm>
-            <a:off x="2198651" y="1677865"/>
-            <a:ext cx="7793500" cy="4352925"/>
+            <a:off x="5539550" y="1109469"/>
+            <a:ext cx="6313714" cy="5137360"/>
           </a:xfrm>
           <a:prstGeom prst="rect">
             <a:avLst/>
           </a:prstGeom>
         </p:spPr>
       </p:pic>
-      <p:sp>
-        <p:nvSpPr>
-          <p:cNvPr id="6" name="Hộp Văn bản 5">
-            <a:extLst>
-              <a:ext uri="{FF2B5EF4-FFF2-40B4-BE49-F238E27FC236}">
-                <a16:creationId xmlns:a16="http://schemas.microsoft.com/office/drawing/2014/main" id="{BCA43C1C-75B7-4A4A-FB2E-B975DF0A539F}"/>
-              </a:ext>
-            </a:extLst>
-          </p:cNvPr>
-          <p:cNvSpPr txBox="1"/>
-          <p:nvPr/>
-        </p:nvSpPr>
-        <p:spPr>
-          <a:xfrm>
-            <a:off x="478301" y="1092077"/>
-            <a:ext cx="11853264" cy="400110"/>
-          </a:xfrm>
-          <a:prstGeom prst="rect">
-            <a:avLst/>
-          </a:prstGeom>
-          <a:noFill/>
-        </p:spPr>
-        <p:txBody>
-          <a:bodyPr wrap="square" rtlCol="0">
-            <a:spAutoFit/>
-          </a:bodyPr>
-          <a:lstStyle/>
-          <a:p>
-            <a:r>
-              <a:rPr lang="en-US" sz="2000" dirty="0"/>
-              <a:t>Making abstract class :  </a:t>
-            </a:r>
-            <a:r>
-              <a:rPr lang="en-US" sz="2000" dirty="0" err="1"/>
-              <a:t>LoadNote</a:t>
-            </a:r>
-            <a:r>
-              <a:rPr lang="en-US" sz="2000" dirty="0"/>
-              <a:t> </a:t>
-            </a:r>
-          </a:p>
-        </p:txBody>
-      </p:sp>
     </p:spTree>
   </p:cSld>
   <p:clrMapOvr>
@@ -5372,12 +5513,147 @@
           </a:p>
         </p:txBody>
       </p:sp>
+      <p:sp>
+        <p:nvSpPr>
+          <p:cNvPr id="9" name="Hộp Văn bản 8">
+            <a:extLst>
+              <a:ext uri="{FF2B5EF4-FFF2-40B4-BE49-F238E27FC236}">
+                <a16:creationId xmlns:a16="http://schemas.microsoft.com/office/drawing/2014/main" id="{080C9E21-7D26-2A93-373A-CAEC7ED39F14}"/>
+              </a:ext>
+            </a:extLst>
+          </p:cNvPr>
+          <p:cNvSpPr txBox="1"/>
+          <p:nvPr/>
+        </p:nvSpPr>
+        <p:spPr>
+          <a:xfrm>
+            <a:off x="801187" y="1032510"/>
+            <a:ext cx="9953897" cy="734688"/>
+          </a:xfrm>
+          <a:prstGeom prst="rect">
+            <a:avLst/>
+          </a:prstGeom>
+          <a:noFill/>
+        </p:spPr>
+        <p:txBody>
+          <a:bodyPr wrap="square" rtlCol="0" anchor="ctr">
+            <a:spAutoFit/>
+          </a:bodyPr>
+          <a:lstStyle/>
+          <a:p>
+            <a:pPr marL="685800" algn="just">
+              <a:lnSpc>
+                <a:spcPct val="107000"/>
+              </a:lnSpc>
+              <a:spcAft>
+                <a:spcPts val="800"/>
+              </a:spcAft>
+            </a:pPr>
+            <a:r>
+              <a:rPr lang="en-US" sz="2000" dirty="0" err="1">
+                <a:effectLst/>
+                <a:latin typeface="Times New Roman" panose="02020603050405020304" pitchFamily="18" charset="0"/>
+                <a:ea typeface="Calibri" panose="020F0502020204030204" pitchFamily="34" charset="0"/>
+                <a:cs typeface="Times New Roman" panose="02020603050405020304" pitchFamily="18" charset="0"/>
+              </a:rPr>
+              <a:t>LoadPianoKeyboard</a:t>
+            </a:r>
+            <a:r>
+              <a:rPr lang="en-US" sz="2000" dirty="0">
+                <a:effectLst/>
+                <a:latin typeface="Times New Roman" panose="02020603050405020304" pitchFamily="18" charset="0"/>
+                <a:ea typeface="Calibri" panose="020F0502020204030204" pitchFamily="34" charset="0"/>
+                <a:cs typeface="Times New Roman" panose="02020603050405020304" pitchFamily="18" charset="0"/>
+              </a:rPr>
+              <a:t>, </a:t>
+            </a:r>
+            <a:r>
+              <a:rPr lang="en-US" sz="2000" dirty="0" err="1">
+                <a:effectLst/>
+                <a:latin typeface="Times New Roman" panose="02020603050405020304" pitchFamily="18" charset="0"/>
+                <a:ea typeface="Calibri" panose="020F0502020204030204" pitchFamily="34" charset="0"/>
+                <a:cs typeface="Times New Roman" panose="02020603050405020304" pitchFamily="18" charset="0"/>
+              </a:rPr>
+              <a:t>LoadGuitarKeyboard</a:t>
+            </a:r>
+            <a:r>
+              <a:rPr lang="en-US" sz="2000" dirty="0">
+                <a:effectLst/>
+                <a:latin typeface="Times New Roman" panose="02020603050405020304" pitchFamily="18" charset="0"/>
+                <a:ea typeface="Calibri" panose="020F0502020204030204" pitchFamily="34" charset="0"/>
+                <a:cs typeface="Times New Roman" panose="02020603050405020304" pitchFamily="18" charset="0"/>
+              </a:rPr>
+              <a:t>, </a:t>
+            </a:r>
+            <a:r>
+              <a:rPr lang="en-US" sz="2000" dirty="0" err="1">
+                <a:effectLst/>
+                <a:latin typeface="Times New Roman" panose="02020603050405020304" pitchFamily="18" charset="0"/>
+                <a:ea typeface="Calibri" panose="020F0502020204030204" pitchFamily="34" charset="0"/>
+                <a:cs typeface="Times New Roman" panose="02020603050405020304" pitchFamily="18" charset="0"/>
+              </a:rPr>
+              <a:t>LoadViolinKeyboard</a:t>
+            </a:r>
+            <a:r>
+              <a:rPr lang="en-US" sz="2000" dirty="0">
+                <a:effectLst/>
+                <a:latin typeface="Times New Roman" panose="02020603050405020304" pitchFamily="18" charset="0"/>
+                <a:ea typeface="Calibri" panose="020F0502020204030204" pitchFamily="34" charset="0"/>
+                <a:cs typeface="Times New Roman" panose="02020603050405020304" pitchFamily="18" charset="0"/>
+              </a:rPr>
+              <a:t>, and </a:t>
+            </a:r>
+            <a:r>
+              <a:rPr lang="en-US" sz="2000" dirty="0" err="1">
+                <a:effectLst/>
+                <a:latin typeface="Times New Roman" panose="02020603050405020304" pitchFamily="18" charset="0"/>
+                <a:ea typeface="Calibri" panose="020F0502020204030204" pitchFamily="34" charset="0"/>
+                <a:cs typeface="Times New Roman" panose="02020603050405020304" pitchFamily="18" charset="0"/>
+              </a:rPr>
+              <a:t>LoadTromboneKeyboard</a:t>
+            </a:r>
+            <a:r>
+              <a:rPr lang="en-US" sz="2000" dirty="0">
+                <a:effectLst/>
+                <a:latin typeface="Times New Roman" panose="02020603050405020304" pitchFamily="18" charset="0"/>
+                <a:ea typeface="Calibri" panose="020F0502020204030204" pitchFamily="34" charset="0"/>
+                <a:cs typeface="Times New Roman" panose="02020603050405020304" pitchFamily="18" charset="0"/>
+              </a:rPr>
+              <a:t>  classes have inherited </a:t>
+            </a:r>
+            <a:r>
+              <a:rPr lang="en-US" sz="2000" dirty="0" err="1">
+                <a:effectLst/>
+                <a:latin typeface="Times New Roman" panose="02020603050405020304" pitchFamily="18" charset="0"/>
+                <a:ea typeface="Calibri" panose="020F0502020204030204" pitchFamily="34" charset="0"/>
+                <a:cs typeface="Times New Roman" panose="02020603050405020304" pitchFamily="18" charset="0"/>
+              </a:rPr>
+              <a:t>LoadKeyboard</a:t>
+            </a:r>
+            <a:r>
+              <a:rPr lang="en-US" sz="2000" dirty="0">
+                <a:effectLst/>
+                <a:latin typeface="Times New Roman" panose="02020603050405020304" pitchFamily="18" charset="0"/>
+                <a:ea typeface="Calibri" panose="020F0502020204030204" pitchFamily="34" charset="0"/>
+                <a:cs typeface="Times New Roman" panose="02020603050405020304" pitchFamily="18" charset="0"/>
+              </a:rPr>
+              <a:t> class. </a:t>
+            </a:r>
+            <a:endParaRPr lang="en-US" sz="2000" dirty="0">
+              <a:effectLst/>
+              <a:latin typeface="Calibri" panose="020F0502020204030204" pitchFamily="34" charset="0"/>
+              <a:ea typeface="Calibri" panose="020F0502020204030204" pitchFamily="34" charset="0"/>
+              <a:cs typeface="Times New Roman" panose="02020603050405020304" pitchFamily="18" charset="0"/>
+            </a:endParaRPr>
+          </a:p>
+        </p:txBody>
+      </p:sp>
       <p:pic>
         <p:nvPicPr>
-          <p:cNvPr id="8" name="Hình ảnh 7">
+          <p:cNvPr id="14" name="Hình ảnh 13">
             <a:extLst>
               <a:ext uri="{FF2B5EF4-FFF2-40B4-BE49-F238E27FC236}">
-                <a16:creationId xmlns:a16="http://schemas.microsoft.com/office/drawing/2014/main" id="{ED540811-C60D-79D3-4F91-76EAB7F9B1A8}"/>
+                <a16:creationId xmlns:a16="http://schemas.microsoft.com/office/drawing/2014/main" id="{8718EB5B-1939-1D6C-7BED-60CAB666CBA1}"/>
               </a:ext>
             </a:extLst>
           </p:cNvPr>
@@ -5394,152 +5670,44 @@
         </p:blipFill>
         <p:spPr>
           <a:xfrm>
-            <a:off x="990044" y="2180090"/>
-            <a:ext cx="10109365" cy="3930424"/>
+            <a:off x="5829300" y="1767198"/>
+            <a:ext cx="5895975" cy="4629829"/>
           </a:xfrm>
           <a:prstGeom prst="rect">
             <a:avLst/>
           </a:prstGeom>
         </p:spPr>
       </p:pic>
-      <p:sp>
-        <p:nvSpPr>
-          <p:cNvPr id="9" name="Hộp Văn bản 8">
+      <p:pic>
+        <p:nvPicPr>
+          <p:cNvPr id="16" name="Hình ảnh 15">
             <a:extLst>
               <a:ext uri="{FF2B5EF4-FFF2-40B4-BE49-F238E27FC236}">
-                <a16:creationId xmlns:a16="http://schemas.microsoft.com/office/drawing/2014/main" id="{080C9E21-7D26-2A93-373A-CAEC7ED39F14}"/>
+                <a16:creationId xmlns:a16="http://schemas.microsoft.com/office/drawing/2014/main" id="{5E4C0E54-2385-B545-411F-DEB104AB86AB}"/>
               </a:ext>
             </a:extLst>
           </p:cNvPr>
-          <p:cNvSpPr txBox="1"/>
+          <p:cNvPicPr>
+            <a:picLocks noChangeAspect="1"/>
+          </p:cNvPicPr>
           <p:nvPr/>
-        </p:nvSpPr>
+        </p:nvPicPr>
+        <p:blipFill>
+          <a:blip r:embed="rId3"/>
+          <a:stretch>
+            <a:fillRect/>
+          </a:stretch>
+        </p:blipFill>
         <p:spPr>
           <a:xfrm>
-            <a:off x="537029" y="1204686"/>
-            <a:ext cx="10972800" cy="734688"/>
+            <a:off x="801187" y="2083023"/>
+            <a:ext cx="4725059" cy="3572374"/>
           </a:xfrm>
           <a:prstGeom prst="rect">
             <a:avLst/>
           </a:prstGeom>
-          <a:noFill/>
         </p:spPr>
-        <p:txBody>
-          <a:bodyPr wrap="square" rtlCol="0">
-            <a:spAutoFit/>
-          </a:bodyPr>
-          <a:lstStyle/>
-          <a:p>
-            <a:pPr marL="685800" marR="0" algn="just">
-              <a:lnSpc>
-                <a:spcPct val="107000"/>
-              </a:lnSpc>
-              <a:spcBef>
-                <a:spcPts val="0"/>
-              </a:spcBef>
-              <a:spcAft>
-                <a:spcPts val="800"/>
-              </a:spcAft>
-            </a:pPr>
-            <a:r>
-              <a:rPr lang="en-US" sz="2000" dirty="0" err="1">
-                <a:effectLst/>
-                <a:latin typeface="Times New Roman" panose="02020603050405020304" pitchFamily="18" charset="0"/>
-                <a:ea typeface="Calibri" panose="020F0502020204030204" pitchFamily="34" charset="0"/>
-                <a:cs typeface="Times New Roman" panose="02020603050405020304" pitchFamily="18" charset="0"/>
-              </a:rPr>
-              <a:t>LoadPianoNote</a:t>
-            </a:r>
-            <a:r>
-              <a:rPr lang="en-US" sz="2000" dirty="0">
-                <a:effectLst/>
-                <a:latin typeface="Times New Roman" panose="02020603050405020304" pitchFamily="18" charset="0"/>
-                <a:ea typeface="Calibri" panose="020F0502020204030204" pitchFamily="34" charset="0"/>
-                <a:cs typeface="Times New Roman" panose="02020603050405020304" pitchFamily="18" charset="0"/>
-              </a:rPr>
-              <a:t>, </a:t>
-            </a:r>
-            <a:r>
-              <a:rPr lang="en-US" sz="2000" dirty="0" err="1">
-                <a:effectLst/>
-                <a:latin typeface="Times New Roman" panose="02020603050405020304" pitchFamily="18" charset="0"/>
-                <a:ea typeface="Calibri" panose="020F0502020204030204" pitchFamily="34" charset="0"/>
-                <a:cs typeface="Times New Roman" panose="02020603050405020304" pitchFamily="18" charset="0"/>
-              </a:rPr>
-              <a:t>LoadGuitarNote</a:t>
-            </a:r>
-            <a:r>
-              <a:rPr lang="en-US" sz="2000" dirty="0">
-                <a:effectLst/>
-                <a:latin typeface="Times New Roman" panose="02020603050405020304" pitchFamily="18" charset="0"/>
-                <a:ea typeface="Calibri" panose="020F0502020204030204" pitchFamily="34" charset="0"/>
-                <a:cs typeface="Times New Roman" panose="02020603050405020304" pitchFamily="18" charset="0"/>
-              </a:rPr>
-              <a:t>, </a:t>
-            </a:r>
-            <a:r>
-              <a:rPr lang="en-US" sz="2000" dirty="0" err="1">
-                <a:effectLst/>
-                <a:latin typeface="Times New Roman" panose="02020603050405020304" pitchFamily="18" charset="0"/>
-                <a:ea typeface="Calibri" panose="020F0502020204030204" pitchFamily="34" charset="0"/>
-                <a:cs typeface="Times New Roman" panose="02020603050405020304" pitchFamily="18" charset="0"/>
-              </a:rPr>
-              <a:t>LoadViolinNote</a:t>
-            </a:r>
-            <a:r>
-              <a:rPr lang="en-US" sz="2000" dirty="0">
-                <a:effectLst/>
-                <a:latin typeface="Times New Roman" panose="02020603050405020304" pitchFamily="18" charset="0"/>
-                <a:ea typeface="Calibri" panose="020F0502020204030204" pitchFamily="34" charset="0"/>
-                <a:cs typeface="Times New Roman" panose="02020603050405020304" pitchFamily="18" charset="0"/>
-              </a:rPr>
-              <a:t>, and </a:t>
-            </a:r>
-            <a:r>
-              <a:rPr lang="en-US" sz="2000" dirty="0" err="1">
-                <a:effectLst/>
-                <a:latin typeface="Times New Roman" panose="02020603050405020304" pitchFamily="18" charset="0"/>
-                <a:ea typeface="Calibri" panose="020F0502020204030204" pitchFamily="34" charset="0"/>
-                <a:cs typeface="Times New Roman" panose="02020603050405020304" pitchFamily="18" charset="0"/>
-              </a:rPr>
-              <a:t>LoadTrombone</a:t>
-            </a:r>
-            <a:r>
-              <a:rPr lang="en-US" sz="2000" dirty="0">
-                <a:effectLst/>
-                <a:latin typeface="Times New Roman" panose="02020603050405020304" pitchFamily="18" charset="0"/>
-                <a:ea typeface="Calibri" panose="020F0502020204030204" pitchFamily="34" charset="0"/>
-                <a:cs typeface="Times New Roman" panose="02020603050405020304" pitchFamily="18" charset="0"/>
-              </a:rPr>
-              <a:t> classes have inherited </a:t>
-            </a:r>
-            <a:r>
-              <a:rPr lang="en-US" sz="2000" dirty="0" err="1">
-                <a:effectLst/>
-                <a:latin typeface="Times New Roman" panose="02020603050405020304" pitchFamily="18" charset="0"/>
-                <a:ea typeface="Calibri" panose="020F0502020204030204" pitchFamily="34" charset="0"/>
-                <a:cs typeface="Times New Roman" panose="02020603050405020304" pitchFamily="18" charset="0"/>
-              </a:rPr>
-              <a:t>LoadNote</a:t>
-            </a:r>
-            <a:r>
-              <a:rPr lang="en-US" sz="2000" dirty="0">
-                <a:effectLst/>
-                <a:latin typeface="Times New Roman" panose="02020603050405020304" pitchFamily="18" charset="0"/>
-                <a:ea typeface="Calibri" panose="020F0502020204030204" pitchFamily="34" charset="0"/>
-                <a:cs typeface="Times New Roman" panose="02020603050405020304" pitchFamily="18" charset="0"/>
-              </a:rPr>
-              <a:t> class. </a:t>
-            </a:r>
-            <a:endParaRPr lang="en-US" sz="2000" dirty="0">
-              <a:effectLst/>
-              <a:latin typeface="Calibri" panose="020F0502020204030204" pitchFamily="34" charset="0"/>
-              <a:ea typeface="Calibri" panose="020F0502020204030204" pitchFamily="34" charset="0"/>
-              <a:cs typeface="Times New Roman" panose="02020603050405020304" pitchFamily="18" charset="0"/>
-            </a:endParaRPr>
-          </a:p>
-        </p:txBody>
-      </p:sp>
+      </p:pic>
     </p:spTree>
   </p:cSld>
   <p:clrMapOvr>
